--- a/Slides/Intro To Java 2.pptx
+++ b/Slides/Intro To Java 2.pptx
@@ -5,7 +5,7 @@
     <p:sldMasterId id="2147483648" r:id="rId1"/>
   </p:sldMasterIdLst>
   <p:notesMasterIdLst>
-    <p:notesMasterId r:id="rId15"/>
+    <p:notesMasterId r:id="rId17"/>
   </p:notesMasterIdLst>
   <p:sldIdLst>
     <p:sldId id="274" r:id="rId2"/>
@@ -21,6 +21,8 @@
     <p:sldId id="284" r:id="rId12"/>
     <p:sldId id="285" r:id="rId13"/>
     <p:sldId id="286" r:id="rId14"/>
+    <p:sldId id="287" r:id="rId15"/>
+    <p:sldId id="288" r:id="rId16"/>
   </p:sldIdLst>
   <p:sldSz cx="12192000" cy="6858000"/>
   <p:notesSz cx="6858000" cy="9144000"/>
@@ -4782,6 +4784,221 @@
     <p:extLst>
       <p:ext uri="{BB962C8B-B14F-4D97-AF65-F5344CB8AC3E}">
         <p14:creationId xmlns:p14="http://schemas.microsoft.com/office/powerpoint/2010/main" val="2221284047"/>
+      </p:ext>
+    </p:extLst>
+  </p:cSld>
+  <p:clrMapOvr>
+    <a:masterClrMapping/>
+  </p:clrMapOvr>
+</p:sld>
+</file>
+
+<file path=ppt/slides/slide14.xml><?xml version="1.0" encoding="utf-8"?>
+<p:sld xmlns:a="http://schemas.openxmlformats.org/drawingml/2006/main" xmlns:r="http://schemas.openxmlformats.org/officeDocument/2006/relationships" xmlns:p="http://schemas.openxmlformats.org/presentationml/2006/main">
+  <p:cSld>
+    <p:spTree>
+      <p:nvGrpSpPr>
+        <p:cNvPr id="1" name=""/>
+        <p:cNvGrpSpPr/>
+        <p:nvPr/>
+      </p:nvGrpSpPr>
+      <p:grpSpPr>
+        <a:xfrm>
+          <a:off x="0" y="0"/>
+          <a:ext cx="0" cy="0"/>
+          <a:chOff x="0" y="0"/>
+          <a:chExt cx="0" cy="0"/>
+        </a:xfrm>
+      </p:grpSpPr>
+      <p:sp>
+        <p:nvSpPr>
+          <p:cNvPr id="2" name="Title 1">
+            <a:extLst>
+              <a:ext uri="{FF2B5EF4-FFF2-40B4-BE49-F238E27FC236}">
+                <a16:creationId xmlns:a16="http://schemas.microsoft.com/office/drawing/2014/main" id="{CFAF3E2D-D9B8-7C43-98EC-46C615925045}"/>
+              </a:ext>
+            </a:extLst>
+          </p:cNvPr>
+          <p:cNvSpPr>
+            <a:spLocks noGrp="1"/>
+          </p:cNvSpPr>
+          <p:nvPr>
+            <p:ph type="title"/>
+          </p:nvPr>
+        </p:nvSpPr>
+        <p:spPr/>
+        <p:txBody>
+          <a:bodyPr/>
+          <a:lstStyle/>
+          <a:p>
+            <a:r>
+              <a:rPr lang="en-US" dirty="0"/>
+              <a:t>To learn more</a:t>
+            </a:r>
+          </a:p>
+        </p:txBody>
+      </p:sp>
+      <p:sp>
+        <p:nvSpPr>
+          <p:cNvPr id="3" name="Content Placeholder 2">
+            <a:extLst>
+              <a:ext uri="{FF2B5EF4-FFF2-40B4-BE49-F238E27FC236}">
+                <a16:creationId xmlns:a16="http://schemas.microsoft.com/office/drawing/2014/main" id="{BCE504E0-A8AD-EA42-A146-F6407ADBF059}"/>
+              </a:ext>
+            </a:extLst>
+          </p:cNvPr>
+          <p:cNvSpPr>
+            <a:spLocks noGrp="1"/>
+          </p:cNvSpPr>
+          <p:nvPr>
+            <p:ph idx="1"/>
+          </p:nvPr>
+        </p:nvSpPr>
+        <p:spPr/>
+        <p:txBody>
+          <a:bodyPr/>
+          <a:lstStyle/>
+          <a:p>
+            <a:endParaRPr lang="en-US" dirty="0"/>
+          </a:p>
+          <a:p>
+            <a:r>
+              <a:rPr lang="en-US" dirty="0">
+                <a:hlinkClick r:id="rId2"/>
+              </a:rPr>
+              <a:t>https://cosmolearning.org/courses/beginner-java-programming-tutorials-by-thenewboston/</a:t>
+            </a:r>
+            <a:endParaRPr lang="en-US" dirty="0"/>
+          </a:p>
+          <a:p>
+            <a:pPr marL="0" indent="0">
+              <a:buNone/>
+            </a:pPr>
+            <a:endParaRPr lang="en-US" dirty="0"/>
+          </a:p>
+          <a:p>
+            <a:r>
+              <a:rPr lang="en-US" dirty="0">
+                <a:hlinkClick r:id="rId3"/>
+              </a:rPr>
+              <a:t>https://developer.ibm.com/africa/new-collar/</a:t>
+            </a:r>
+            <a:endParaRPr lang="en-US" dirty="0"/>
+          </a:p>
+          <a:p>
+            <a:pPr lvl="1"/>
+            <a:r>
+              <a:rPr lang="en-US" dirty="0"/>
+              <a:t>Browse learning paths</a:t>
+            </a:r>
+          </a:p>
+          <a:p>
+            <a:pPr lvl="1"/>
+            <a:r>
+              <a:rPr lang="en-US" dirty="0"/>
+              <a:t>Select Java</a:t>
+            </a:r>
+          </a:p>
+        </p:txBody>
+      </p:sp>
+    </p:spTree>
+    <p:extLst>
+      <p:ext uri="{BB962C8B-B14F-4D97-AF65-F5344CB8AC3E}">
+        <p14:creationId xmlns:p14="http://schemas.microsoft.com/office/powerpoint/2010/main" val="1629746710"/>
+      </p:ext>
+    </p:extLst>
+  </p:cSld>
+  <p:clrMapOvr>
+    <a:masterClrMapping/>
+  </p:clrMapOvr>
+</p:sld>
+</file>
+
+<file path=ppt/slides/slide15.xml><?xml version="1.0" encoding="utf-8"?>
+<p:sld xmlns:a="http://schemas.openxmlformats.org/drawingml/2006/main" xmlns:r="http://schemas.openxmlformats.org/officeDocument/2006/relationships" xmlns:p="http://schemas.openxmlformats.org/presentationml/2006/main">
+  <p:cSld>
+    <p:spTree>
+      <p:nvGrpSpPr>
+        <p:cNvPr id="1" name=""/>
+        <p:cNvGrpSpPr/>
+        <p:nvPr/>
+      </p:nvGrpSpPr>
+      <p:grpSpPr>
+        <a:xfrm>
+          <a:off x="0" y="0"/>
+          <a:ext cx="0" cy="0"/>
+          <a:chOff x="0" y="0"/>
+          <a:chExt cx="0" cy="0"/>
+        </a:xfrm>
+      </p:grpSpPr>
+      <p:sp>
+        <p:nvSpPr>
+          <p:cNvPr id="2" name="Title 1">
+            <a:extLst>
+              <a:ext uri="{FF2B5EF4-FFF2-40B4-BE49-F238E27FC236}">
+                <a16:creationId xmlns:a16="http://schemas.microsoft.com/office/drawing/2014/main" id="{46AF8D6B-8D2C-9349-B64B-8BAAB5498573}"/>
+              </a:ext>
+            </a:extLst>
+          </p:cNvPr>
+          <p:cNvSpPr>
+            <a:spLocks noGrp="1"/>
+          </p:cNvSpPr>
+          <p:nvPr>
+            <p:ph type="title"/>
+          </p:nvPr>
+        </p:nvSpPr>
+        <p:spPr>
+          <a:xfrm>
+            <a:off x="778824" y="424502"/>
+            <a:ext cx="10515600" cy="1325563"/>
+          </a:xfrm>
+        </p:spPr>
+        <p:txBody>
+          <a:bodyPr/>
+          <a:lstStyle/>
+          <a:p>
+            <a:pPr algn="ctr"/>
+            <a:r>
+              <a:rPr lang="en-US" dirty="0"/>
+              <a:t>Thank You</a:t>
+            </a:r>
+          </a:p>
+        </p:txBody>
+      </p:sp>
+      <p:pic>
+        <p:nvPicPr>
+          <p:cNvPr id="4" name="Picture 3">
+            <a:extLst>
+              <a:ext uri="{FF2B5EF4-FFF2-40B4-BE49-F238E27FC236}">
+                <a16:creationId xmlns:a16="http://schemas.microsoft.com/office/drawing/2014/main" id="{34081AB1-1F18-994C-8492-1C21328D2BA9}"/>
+              </a:ext>
+            </a:extLst>
+          </p:cNvPr>
+          <p:cNvPicPr>
+            <a:picLocks noChangeAspect="1"/>
+          </p:cNvPicPr>
+          <p:nvPr/>
+        </p:nvPicPr>
+        <p:blipFill>
+          <a:blip r:embed="rId2"/>
+          <a:stretch>
+            <a:fillRect/>
+          </a:stretch>
+        </p:blipFill>
+        <p:spPr>
+          <a:xfrm>
+            <a:off x="4982524" y="1486725"/>
+            <a:ext cx="2108200" cy="3860800"/>
+          </a:xfrm>
+          <a:prstGeom prst="rect">
+            <a:avLst/>
+          </a:prstGeom>
+        </p:spPr>
+      </p:pic>
+    </p:spTree>
+    <p:extLst>
+      <p:ext uri="{BB962C8B-B14F-4D97-AF65-F5344CB8AC3E}">
+        <p14:creationId xmlns:p14="http://schemas.microsoft.com/office/powerpoint/2010/main" val="1281892047"/>
       </p:ext>
     </p:extLst>
   </p:cSld>

--- a/Slides/Intro To Java 2.pptx
+++ b/Slides/Intro To Java 2.pptx
@@ -5,7 +5,7 @@
     <p:sldMasterId id="2147483648" r:id="rId1"/>
   </p:sldMasterIdLst>
   <p:notesMasterIdLst>
-    <p:notesMasterId r:id="rId17"/>
+    <p:notesMasterId r:id="rId18"/>
   </p:notesMasterIdLst>
   <p:sldIdLst>
     <p:sldId id="274" r:id="rId2"/>
@@ -22,7 +22,8 @@
     <p:sldId id="285" r:id="rId13"/>
     <p:sldId id="286" r:id="rId14"/>
     <p:sldId id="287" r:id="rId15"/>
-    <p:sldId id="288" r:id="rId16"/>
+    <p:sldId id="289" r:id="rId16"/>
+    <p:sldId id="288" r:id="rId17"/>
   </p:sldIdLst>
   <p:sldSz cx="12192000" cy="6858000"/>
   <p:notesSz cx="6858000" cy="9144000"/>
@@ -4915,6 +4916,107 @@
 </file>
 
 <file path=ppt/slides/slide15.xml><?xml version="1.0" encoding="utf-8"?>
+<p:sld xmlns:a="http://schemas.openxmlformats.org/drawingml/2006/main" xmlns:r="http://schemas.openxmlformats.org/officeDocument/2006/relationships" xmlns:p="http://schemas.openxmlformats.org/presentationml/2006/main">
+  <p:cSld>
+    <p:spTree>
+      <p:nvGrpSpPr>
+        <p:cNvPr id="1" name=""/>
+        <p:cNvGrpSpPr/>
+        <p:nvPr/>
+      </p:nvGrpSpPr>
+      <p:grpSpPr>
+        <a:xfrm>
+          <a:off x="0" y="0"/>
+          <a:ext cx="0" cy="0"/>
+          <a:chOff x="0" y="0"/>
+          <a:chExt cx="0" cy="0"/>
+        </a:xfrm>
+      </p:grpSpPr>
+      <p:sp>
+        <p:nvSpPr>
+          <p:cNvPr id="2" name="Title 1">
+            <a:extLst>
+              <a:ext uri="{FF2B5EF4-FFF2-40B4-BE49-F238E27FC236}">
+                <a16:creationId xmlns:a16="http://schemas.microsoft.com/office/drawing/2014/main" id="{76FE5512-CDCC-B44E-8CC9-43B41950743E}"/>
+              </a:ext>
+            </a:extLst>
+          </p:cNvPr>
+          <p:cNvSpPr>
+            <a:spLocks noGrp="1"/>
+          </p:cNvSpPr>
+          <p:nvPr>
+            <p:ph type="title"/>
+          </p:nvPr>
+        </p:nvSpPr>
+        <p:spPr/>
+        <p:txBody>
+          <a:bodyPr/>
+          <a:lstStyle/>
+          <a:p>
+            <a:r>
+              <a:rPr lang="en-US" dirty="0"/>
+              <a:t>Contacts</a:t>
+            </a:r>
+          </a:p>
+        </p:txBody>
+      </p:sp>
+      <p:sp>
+        <p:nvSpPr>
+          <p:cNvPr id="3" name="Content Placeholder 2">
+            <a:extLst>
+              <a:ext uri="{FF2B5EF4-FFF2-40B4-BE49-F238E27FC236}">
+                <a16:creationId xmlns:a16="http://schemas.microsoft.com/office/drawing/2014/main" id="{6A9AB747-CD8B-0048-8645-497235E4F7EF}"/>
+              </a:ext>
+            </a:extLst>
+          </p:cNvPr>
+          <p:cNvSpPr>
+            <a:spLocks noGrp="1"/>
+          </p:cNvSpPr>
+          <p:nvPr>
+            <p:ph idx="1"/>
+          </p:nvPr>
+        </p:nvSpPr>
+        <p:spPr/>
+        <p:txBody>
+          <a:bodyPr/>
+          <a:lstStyle/>
+          <a:p>
+            <a:r>
+              <a:rPr lang="en-US" dirty="0"/>
+              <a:t>Submit Your Assignment to:</a:t>
+            </a:r>
+          </a:p>
+          <a:p>
+            <a:endParaRPr lang="en-US" dirty="0"/>
+          </a:p>
+          <a:p>
+            <a:pPr lvl="1"/>
+            <a:r>
+              <a:rPr lang="en-US" dirty="0"/>
+              <a:t>Email: </a:t>
+            </a:r>
+            <a:r>
+              <a:rPr lang="en-US" dirty="0" err="1"/>
+              <a:t>fbkwizera@ke.ibm.com</a:t>
+            </a:r>
+            <a:endParaRPr lang="en-US" dirty="0"/>
+          </a:p>
+        </p:txBody>
+      </p:sp>
+    </p:spTree>
+    <p:extLst>
+      <p:ext uri="{BB962C8B-B14F-4D97-AF65-F5344CB8AC3E}">
+        <p14:creationId xmlns:p14="http://schemas.microsoft.com/office/powerpoint/2010/main" val="614460154"/>
+      </p:ext>
+    </p:extLst>
+  </p:cSld>
+  <p:clrMapOvr>
+    <a:masterClrMapping/>
+  </p:clrMapOvr>
+</p:sld>
+</file>
+
+<file path=ppt/slides/slide16.xml><?xml version="1.0" encoding="utf-8"?>
 <p:sld xmlns:a="http://schemas.openxmlformats.org/drawingml/2006/main" xmlns:r="http://schemas.openxmlformats.org/officeDocument/2006/relationships" xmlns:p="http://schemas.openxmlformats.org/presentationml/2006/main">
   <p:cSld>
     <p:spTree>
